--- a/ppt 16-9/1395.耶稣说我就是.pptx
+++ b/ppt 16-9/1395.耶稣说我就是.pptx
@@ -5,7 +5,7 @@
     <p:sldMasterId id="2147483648" r:id="rId1"/>
   </p:sldMasterIdLst>
   <p:sldIdLst>
-    <p:sldId id="966" r:id="rId2"/>
+    <p:sldId id="967" r:id="rId2"/>
   </p:sldIdLst>
   <p:sldSz cx="12192000" cy="6858000"/>
   <p:notesSz cx="6858000" cy="9144000"/>
@@ -129,7 +129,7 @@
           <p:cNvPr id="2" name="标题 1">
             <a:extLst>
               <a:ext uri="{FF2B5EF4-FFF2-40B4-BE49-F238E27FC236}">
-                <a16:creationId xmlns:a16="http://schemas.microsoft.com/office/drawing/2014/main" id="{AD3EDB21-C4BC-450A-9337-CFAE9345EF2B}"/>
+                <a16:creationId xmlns:a16="http://schemas.microsoft.com/office/drawing/2014/main" id="{95415555-60C1-BCBE-4157-B259B5C0A533}"/>
               </a:ext>
             </a:extLst>
           </p:cNvPr>
@@ -166,7 +166,7 @@
           <p:cNvPr id="3" name="副标题 2">
             <a:extLst>
               <a:ext uri="{FF2B5EF4-FFF2-40B4-BE49-F238E27FC236}">
-                <a16:creationId xmlns:a16="http://schemas.microsoft.com/office/drawing/2014/main" id="{B8F45EA2-F768-58BD-E50C-9FFAC25D55E5}"/>
+                <a16:creationId xmlns:a16="http://schemas.microsoft.com/office/drawing/2014/main" id="{D00934A4-DC0D-BA0B-C0F6-20839746B022}"/>
               </a:ext>
             </a:extLst>
           </p:cNvPr>
@@ -236,7 +236,7 @@
           <p:cNvPr id="4" name="日期占位符 3">
             <a:extLst>
               <a:ext uri="{FF2B5EF4-FFF2-40B4-BE49-F238E27FC236}">
-                <a16:creationId xmlns:a16="http://schemas.microsoft.com/office/drawing/2014/main" id="{2CDE686B-857A-4807-45DE-13255534AA45}"/>
+                <a16:creationId xmlns:a16="http://schemas.microsoft.com/office/drawing/2014/main" id="{62723ADD-7429-1E6D-7596-7AD6DF816F67}"/>
               </a:ext>
             </a:extLst>
           </p:cNvPr>
@@ -252,7 +252,7 @@
           <a:bodyPr/>
           <a:lstStyle/>
           <a:p>
-            <a:fld id="{F65FA338-84F1-4BB3-8D57-E01F4C23601D}" type="datetimeFigureOut">
+            <a:fld id="{0908BA12-C671-45C8-9A7F-659CF2BF9082}" type="datetimeFigureOut">
               <a:rPr lang="zh-CN" altLang="en-US" smtClean="0"/>
               <a:t>2024/3/10</a:t>
             </a:fld>
@@ -265,7 +265,7 @@
           <p:cNvPr id="5" name="页脚占位符 4">
             <a:extLst>
               <a:ext uri="{FF2B5EF4-FFF2-40B4-BE49-F238E27FC236}">
-                <a16:creationId xmlns:a16="http://schemas.microsoft.com/office/drawing/2014/main" id="{7D599707-D376-D8A5-FF1B-5ED56249EE6A}"/>
+                <a16:creationId xmlns:a16="http://schemas.microsoft.com/office/drawing/2014/main" id="{FC2F6778-9CA0-3D9E-E1C9-504E0D3F9F86}"/>
               </a:ext>
             </a:extLst>
           </p:cNvPr>
@@ -290,7 +290,7 @@
           <p:cNvPr id="6" name="灯片编号占位符 5">
             <a:extLst>
               <a:ext uri="{FF2B5EF4-FFF2-40B4-BE49-F238E27FC236}">
-                <a16:creationId xmlns:a16="http://schemas.microsoft.com/office/drawing/2014/main" id="{1F2F112B-41A7-3CCF-DD38-FD4F34794DAC}"/>
+                <a16:creationId xmlns:a16="http://schemas.microsoft.com/office/drawing/2014/main" id="{49D3E561-5596-C24B-9DFD-1DB6437BBFB1}"/>
               </a:ext>
             </a:extLst>
           </p:cNvPr>
@@ -306,7 +306,7 @@
           <a:bodyPr/>
           <a:lstStyle/>
           <a:p>
-            <a:fld id="{4D0D791C-590A-42BA-ACC6-2662DB381583}" type="slidenum">
+            <a:fld id="{AE304023-E11F-4687-9CB2-7F04D5D2AE1B}" type="slidenum">
               <a:rPr lang="zh-CN" altLang="en-US" smtClean="0"/>
               <a:t>‹#›</a:t>
             </a:fld>
@@ -317,7 +317,7 @@
     </p:spTree>
     <p:extLst>
       <p:ext uri="{BB962C8B-B14F-4D97-AF65-F5344CB8AC3E}">
-        <p14:creationId xmlns:p14="http://schemas.microsoft.com/office/powerpoint/2010/main" val="2696369805"/>
+        <p14:creationId xmlns:p14="http://schemas.microsoft.com/office/powerpoint/2010/main" val="4232079469"/>
       </p:ext>
     </p:extLst>
   </p:cSld>
@@ -349,7 +349,7 @@
           <p:cNvPr id="2" name="标题 1">
             <a:extLst>
               <a:ext uri="{FF2B5EF4-FFF2-40B4-BE49-F238E27FC236}">
-                <a16:creationId xmlns:a16="http://schemas.microsoft.com/office/drawing/2014/main" id="{78572340-0722-D958-9564-13F0334BE6ED}"/>
+                <a16:creationId xmlns:a16="http://schemas.microsoft.com/office/drawing/2014/main" id="{08B40ECC-1D68-473C-997C-A9AD5F39E0C4}"/>
               </a:ext>
             </a:extLst>
           </p:cNvPr>
@@ -377,7 +377,7 @@
           <p:cNvPr id="3" name="竖排文字占位符 2">
             <a:extLst>
               <a:ext uri="{FF2B5EF4-FFF2-40B4-BE49-F238E27FC236}">
-                <a16:creationId xmlns:a16="http://schemas.microsoft.com/office/drawing/2014/main" id="{4424D8A6-F041-EF7A-4030-C0AB693DF7FA}"/>
+                <a16:creationId xmlns:a16="http://schemas.microsoft.com/office/drawing/2014/main" id="{1411075F-C988-2B88-EE79-8DD61130F450}"/>
               </a:ext>
             </a:extLst>
           </p:cNvPr>
@@ -434,7 +434,7 @@
           <p:cNvPr id="4" name="日期占位符 3">
             <a:extLst>
               <a:ext uri="{FF2B5EF4-FFF2-40B4-BE49-F238E27FC236}">
-                <a16:creationId xmlns:a16="http://schemas.microsoft.com/office/drawing/2014/main" id="{6F14BE1D-C6DF-7695-BD8C-82CC07CAD225}"/>
+                <a16:creationId xmlns:a16="http://schemas.microsoft.com/office/drawing/2014/main" id="{B2B18A27-C9E5-556A-DE57-F05E7E297060}"/>
               </a:ext>
             </a:extLst>
           </p:cNvPr>
@@ -450,7 +450,7 @@
           <a:bodyPr/>
           <a:lstStyle/>
           <a:p>
-            <a:fld id="{F65FA338-84F1-4BB3-8D57-E01F4C23601D}" type="datetimeFigureOut">
+            <a:fld id="{0908BA12-C671-45C8-9A7F-659CF2BF9082}" type="datetimeFigureOut">
               <a:rPr lang="zh-CN" altLang="en-US" smtClean="0"/>
               <a:t>2024/3/10</a:t>
             </a:fld>
@@ -463,7 +463,7 @@
           <p:cNvPr id="5" name="页脚占位符 4">
             <a:extLst>
               <a:ext uri="{FF2B5EF4-FFF2-40B4-BE49-F238E27FC236}">
-                <a16:creationId xmlns:a16="http://schemas.microsoft.com/office/drawing/2014/main" id="{266AF724-FAEF-37F1-EAC6-C35C8BC54AF9}"/>
+                <a16:creationId xmlns:a16="http://schemas.microsoft.com/office/drawing/2014/main" id="{7134E9D3-AAC0-9468-95CB-957DA955B7DF}"/>
               </a:ext>
             </a:extLst>
           </p:cNvPr>
@@ -488,7 +488,7 @@
           <p:cNvPr id="6" name="灯片编号占位符 5">
             <a:extLst>
               <a:ext uri="{FF2B5EF4-FFF2-40B4-BE49-F238E27FC236}">
-                <a16:creationId xmlns:a16="http://schemas.microsoft.com/office/drawing/2014/main" id="{C0A44411-09B1-0F76-B7B6-118EFD90BBEF}"/>
+                <a16:creationId xmlns:a16="http://schemas.microsoft.com/office/drawing/2014/main" id="{2F340552-9777-2293-273E-B88FDC84DA28}"/>
               </a:ext>
             </a:extLst>
           </p:cNvPr>
@@ -504,7 +504,7 @@
           <a:bodyPr/>
           <a:lstStyle/>
           <a:p>
-            <a:fld id="{4D0D791C-590A-42BA-ACC6-2662DB381583}" type="slidenum">
+            <a:fld id="{AE304023-E11F-4687-9CB2-7F04D5D2AE1B}" type="slidenum">
               <a:rPr lang="zh-CN" altLang="en-US" smtClean="0"/>
               <a:t>‹#›</a:t>
             </a:fld>
@@ -515,7 +515,7 @@
     </p:spTree>
     <p:extLst>
       <p:ext uri="{BB962C8B-B14F-4D97-AF65-F5344CB8AC3E}">
-        <p14:creationId xmlns:p14="http://schemas.microsoft.com/office/powerpoint/2010/main" val="746287411"/>
+        <p14:creationId xmlns:p14="http://schemas.microsoft.com/office/powerpoint/2010/main" val="1827627919"/>
       </p:ext>
     </p:extLst>
   </p:cSld>
@@ -547,7 +547,7 @@
           <p:cNvPr id="2" name="竖排标题 1">
             <a:extLst>
               <a:ext uri="{FF2B5EF4-FFF2-40B4-BE49-F238E27FC236}">
-                <a16:creationId xmlns:a16="http://schemas.microsoft.com/office/drawing/2014/main" id="{D1AC53AD-B10D-6BEE-4BB0-EFA35F8DA97C}"/>
+                <a16:creationId xmlns:a16="http://schemas.microsoft.com/office/drawing/2014/main" id="{3914FF7D-FD47-377B-C1CA-D859F7A51163}"/>
               </a:ext>
             </a:extLst>
           </p:cNvPr>
@@ -580,7 +580,7 @@
           <p:cNvPr id="3" name="竖排文字占位符 2">
             <a:extLst>
               <a:ext uri="{FF2B5EF4-FFF2-40B4-BE49-F238E27FC236}">
-                <a16:creationId xmlns:a16="http://schemas.microsoft.com/office/drawing/2014/main" id="{5C97D2D1-7534-9F61-6B60-1450D5D50FCE}"/>
+                <a16:creationId xmlns:a16="http://schemas.microsoft.com/office/drawing/2014/main" id="{1EDD5EE2-E24B-2B41-AF2E-68A1C50149F4}"/>
               </a:ext>
             </a:extLst>
           </p:cNvPr>
@@ -642,7 +642,7 @@
           <p:cNvPr id="4" name="日期占位符 3">
             <a:extLst>
               <a:ext uri="{FF2B5EF4-FFF2-40B4-BE49-F238E27FC236}">
-                <a16:creationId xmlns:a16="http://schemas.microsoft.com/office/drawing/2014/main" id="{CFAFEAD8-CEA4-A8BD-C50D-164E82913603}"/>
+                <a16:creationId xmlns:a16="http://schemas.microsoft.com/office/drawing/2014/main" id="{4FAB636F-8A63-D913-B767-1BEC2616E906}"/>
               </a:ext>
             </a:extLst>
           </p:cNvPr>
@@ -658,7 +658,7 @@
           <a:bodyPr/>
           <a:lstStyle/>
           <a:p>
-            <a:fld id="{F65FA338-84F1-4BB3-8D57-E01F4C23601D}" type="datetimeFigureOut">
+            <a:fld id="{0908BA12-C671-45C8-9A7F-659CF2BF9082}" type="datetimeFigureOut">
               <a:rPr lang="zh-CN" altLang="en-US" smtClean="0"/>
               <a:t>2024/3/10</a:t>
             </a:fld>
@@ -671,7 +671,7 @@
           <p:cNvPr id="5" name="页脚占位符 4">
             <a:extLst>
               <a:ext uri="{FF2B5EF4-FFF2-40B4-BE49-F238E27FC236}">
-                <a16:creationId xmlns:a16="http://schemas.microsoft.com/office/drawing/2014/main" id="{70E1ABFF-BA7F-94FD-ABD9-8CDFD37741CD}"/>
+                <a16:creationId xmlns:a16="http://schemas.microsoft.com/office/drawing/2014/main" id="{0481060B-4EC1-BE3F-ECBF-83D46EB3C2AA}"/>
               </a:ext>
             </a:extLst>
           </p:cNvPr>
@@ -696,7 +696,7 @@
           <p:cNvPr id="6" name="灯片编号占位符 5">
             <a:extLst>
               <a:ext uri="{FF2B5EF4-FFF2-40B4-BE49-F238E27FC236}">
-                <a16:creationId xmlns:a16="http://schemas.microsoft.com/office/drawing/2014/main" id="{661DA76B-5923-952B-C242-CD02867D07A0}"/>
+                <a16:creationId xmlns:a16="http://schemas.microsoft.com/office/drawing/2014/main" id="{10193DEE-FCA2-5CA6-1875-EA78E67BEBAB}"/>
               </a:ext>
             </a:extLst>
           </p:cNvPr>
@@ -712,7 +712,7 @@
           <a:bodyPr/>
           <a:lstStyle/>
           <a:p>
-            <a:fld id="{4D0D791C-590A-42BA-ACC6-2662DB381583}" type="slidenum">
+            <a:fld id="{AE304023-E11F-4687-9CB2-7F04D5D2AE1B}" type="slidenum">
               <a:rPr lang="zh-CN" altLang="en-US" smtClean="0"/>
               <a:t>‹#›</a:t>
             </a:fld>
@@ -723,7 +723,7 @@
     </p:spTree>
     <p:extLst>
       <p:ext uri="{BB962C8B-B14F-4D97-AF65-F5344CB8AC3E}">
-        <p14:creationId xmlns:p14="http://schemas.microsoft.com/office/powerpoint/2010/main" val="1335586456"/>
+        <p14:creationId xmlns:p14="http://schemas.microsoft.com/office/powerpoint/2010/main" val="480583262"/>
       </p:ext>
     </p:extLst>
   </p:cSld>
@@ -755,7 +755,7 @@
           <p:cNvPr id="2" name="标题 1">
             <a:extLst>
               <a:ext uri="{FF2B5EF4-FFF2-40B4-BE49-F238E27FC236}">
-                <a16:creationId xmlns:a16="http://schemas.microsoft.com/office/drawing/2014/main" id="{35BBCAAC-1FDB-AD8F-D93C-834419DE4EF2}"/>
+                <a16:creationId xmlns:a16="http://schemas.microsoft.com/office/drawing/2014/main" id="{B769F66F-3659-DD3D-CF36-129283B30651}"/>
               </a:ext>
             </a:extLst>
           </p:cNvPr>
@@ -783,7 +783,7 @@
           <p:cNvPr id="3" name="内容占位符 2">
             <a:extLst>
               <a:ext uri="{FF2B5EF4-FFF2-40B4-BE49-F238E27FC236}">
-                <a16:creationId xmlns:a16="http://schemas.microsoft.com/office/drawing/2014/main" id="{D5BF71EF-90D7-3A17-FE7F-411878C29F17}"/>
+                <a16:creationId xmlns:a16="http://schemas.microsoft.com/office/drawing/2014/main" id="{9C8E22C6-AE22-CFEA-BEC2-DB2FE4B44758}"/>
               </a:ext>
             </a:extLst>
           </p:cNvPr>
@@ -840,7 +840,7 @@
           <p:cNvPr id="4" name="日期占位符 3">
             <a:extLst>
               <a:ext uri="{FF2B5EF4-FFF2-40B4-BE49-F238E27FC236}">
-                <a16:creationId xmlns:a16="http://schemas.microsoft.com/office/drawing/2014/main" id="{02AE0F99-FA7A-D7F4-7063-96A4D103EA2B}"/>
+                <a16:creationId xmlns:a16="http://schemas.microsoft.com/office/drawing/2014/main" id="{4E1D6077-E137-D02D-6AE8-031C1A3D77D9}"/>
               </a:ext>
             </a:extLst>
           </p:cNvPr>
@@ -856,7 +856,7 @@
           <a:bodyPr/>
           <a:lstStyle/>
           <a:p>
-            <a:fld id="{F65FA338-84F1-4BB3-8D57-E01F4C23601D}" type="datetimeFigureOut">
+            <a:fld id="{0908BA12-C671-45C8-9A7F-659CF2BF9082}" type="datetimeFigureOut">
               <a:rPr lang="zh-CN" altLang="en-US" smtClean="0"/>
               <a:t>2024/3/10</a:t>
             </a:fld>
@@ -869,7 +869,7 @@
           <p:cNvPr id="5" name="页脚占位符 4">
             <a:extLst>
               <a:ext uri="{FF2B5EF4-FFF2-40B4-BE49-F238E27FC236}">
-                <a16:creationId xmlns:a16="http://schemas.microsoft.com/office/drawing/2014/main" id="{C56997DA-4414-280F-E791-281E215797FD}"/>
+                <a16:creationId xmlns:a16="http://schemas.microsoft.com/office/drawing/2014/main" id="{0A00D091-BF47-125D-6537-B05BDD3E251E}"/>
               </a:ext>
             </a:extLst>
           </p:cNvPr>
@@ -894,7 +894,7 @@
           <p:cNvPr id="6" name="灯片编号占位符 5">
             <a:extLst>
               <a:ext uri="{FF2B5EF4-FFF2-40B4-BE49-F238E27FC236}">
-                <a16:creationId xmlns:a16="http://schemas.microsoft.com/office/drawing/2014/main" id="{0C7C737E-36AD-4794-A5F6-9EAD70444931}"/>
+                <a16:creationId xmlns:a16="http://schemas.microsoft.com/office/drawing/2014/main" id="{FC6B7968-95FC-A86B-B2F9-3FD06C8A689F}"/>
               </a:ext>
             </a:extLst>
           </p:cNvPr>
@@ -910,7 +910,7 @@
           <a:bodyPr/>
           <a:lstStyle/>
           <a:p>
-            <a:fld id="{4D0D791C-590A-42BA-ACC6-2662DB381583}" type="slidenum">
+            <a:fld id="{AE304023-E11F-4687-9CB2-7F04D5D2AE1B}" type="slidenum">
               <a:rPr lang="zh-CN" altLang="en-US" smtClean="0"/>
               <a:t>‹#›</a:t>
             </a:fld>
@@ -921,7 +921,7 @@
     </p:spTree>
     <p:extLst>
       <p:ext uri="{BB962C8B-B14F-4D97-AF65-F5344CB8AC3E}">
-        <p14:creationId xmlns:p14="http://schemas.microsoft.com/office/powerpoint/2010/main" val="785181634"/>
+        <p14:creationId xmlns:p14="http://schemas.microsoft.com/office/powerpoint/2010/main" val="3624810286"/>
       </p:ext>
     </p:extLst>
   </p:cSld>
@@ -953,7 +953,7 @@
           <p:cNvPr id="2" name="标题 1">
             <a:extLst>
               <a:ext uri="{FF2B5EF4-FFF2-40B4-BE49-F238E27FC236}">
-                <a16:creationId xmlns:a16="http://schemas.microsoft.com/office/drawing/2014/main" id="{2F4ECDE6-77D9-3B91-731C-9E555B68F1D4}"/>
+                <a16:creationId xmlns:a16="http://schemas.microsoft.com/office/drawing/2014/main" id="{9BFD11CA-12F7-E392-75C3-758389203820}"/>
               </a:ext>
             </a:extLst>
           </p:cNvPr>
@@ -990,7 +990,7 @@
           <p:cNvPr id="3" name="文本占位符 2">
             <a:extLst>
               <a:ext uri="{FF2B5EF4-FFF2-40B4-BE49-F238E27FC236}">
-                <a16:creationId xmlns:a16="http://schemas.microsoft.com/office/drawing/2014/main" id="{63A6D1C6-C376-4D45-F7FF-81017270B411}"/>
+                <a16:creationId xmlns:a16="http://schemas.microsoft.com/office/drawing/2014/main" id="{F54266CE-9A6F-6048-EE96-2D5742EEBC67}"/>
               </a:ext>
             </a:extLst>
           </p:cNvPr>
@@ -1115,7 +1115,7 @@
           <p:cNvPr id="4" name="日期占位符 3">
             <a:extLst>
               <a:ext uri="{FF2B5EF4-FFF2-40B4-BE49-F238E27FC236}">
-                <a16:creationId xmlns:a16="http://schemas.microsoft.com/office/drawing/2014/main" id="{136AAE8D-97CA-4C30-4D2F-06F70B09B76F}"/>
+                <a16:creationId xmlns:a16="http://schemas.microsoft.com/office/drawing/2014/main" id="{2F9EC749-E957-AEB1-D8AA-4C8D971950E0}"/>
               </a:ext>
             </a:extLst>
           </p:cNvPr>
@@ -1131,7 +1131,7 @@
           <a:bodyPr/>
           <a:lstStyle/>
           <a:p>
-            <a:fld id="{F65FA338-84F1-4BB3-8D57-E01F4C23601D}" type="datetimeFigureOut">
+            <a:fld id="{0908BA12-C671-45C8-9A7F-659CF2BF9082}" type="datetimeFigureOut">
               <a:rPr lang="zh-CN" altLang="en-US" smtClean="0"/>
               <a:t>2024/3/10</a:t>
             </a:fld>
@@ -1144,7 +1144,7 @@
           <p:cNvPr id="5" name="页脚占位符 4">
             <a:extLst>
               <a:ext uri="{FF2B5EF4-FFF2-40B4-BE49-F238E27FC236}">
-                <a16:creationId xmlns:a16="http://schemas.microsoft.com/office/drawing/2014/main" id="{14E9934B-CF54-DB19-B162-A334806E60BB}"/>
+                <a16:creationId xmlns:a16="http://schemas.microsoft.com/office/drawing/2014/main" id="{19AF097E-3B3D-63FA-5571-EB6F207742FB}"/>
               </a:ext>
             </a:extLst>
           </p:cNvPr>
@@ -1169,7 +1169,7 @@
           <p:cNvPr id="6" name="灯片编号占位符 5">
             <a:extLst>
               <a:ext uri="{FF2B5EF4-FFF2-40B4-BE49-F238E27FC236}">
-                <a16:creationId xmlns:a16="http://schemas.microsoft.com/office/drawing/2014/main" id="{34CEC873-D49E-6AA5-2B6C-C67175EFF576}"/>
+                <a16:creationId xmlns:a16="http://schemas.microsoft.com/office/drawing/2014/main" id="{41791AE7-D203-5E51-847F-87B61BEB70C2}"/>
               </a:ext>
             </a:extLst>
           </p:cNvPr>
@@ -1185,7 +1185,7 @@
           <a:bodyPr/>
           <a:lstStyle/>
           <a:p>
-            <a:fld id="{4D0D791C-590A-42BA-ACC6-2662DB381583}" type="slidenum">
+            <a:fld id="{AE304023-E11F-4687-9CB2-7F04D5D2AE1B}" type="slidenum">
               <a:rPr lang="zh-CN" altLang="en-US" smtClean="0"/>
               <a:t>‹#›</a:t>
             </a:fld>
@@ -1196,7 +1196,7 @@
     </p:spTree>
     <p:extLst>
       <p:ext uri="{BB962C8B-B14F-4D97-AF65-F5344CB8AC3E}">
-        <p14:creationId xmlns:p14="http://schemas.microsoft.com/office/powerpoint/2010/main" val="1855922372"/>
+        <p14:creationId xmlns:p14="http://schemas.microsoft.com/office/powerpoint/2010/main" val="4106548359"/>
       </p:ext>
     </p:extLst>
   </p:cSld>
@@ -1228,7 +1228,7 @@
           <p:cNvPr id="2" name="标题 1">
             <a:extLst>
               <a:ext uri="{FF2B5EF4-FFF2-40B4-BE49-F238E27FC236}">
-                <a16:creationId xmlns:a16="http://schemas.microsoft.com/office/drawing/2014/main" id="{A248A3FE-2FB2-F236-1F40-C0960D1DE70B}"/>
+                <a16:creationId xmlns:a16="http://schemas.microsoft.com/office/drawing/2014/main" id="{AA498176-7EFE-7490-F023-0575C2AD9C4D}"/>
               </a:ext>
             </a:extLst>
           </p:cNvPr>
@@ -1256,7 +1256,7 @@
           <p:cNvPr id="3" name="内容占位符 2">
             <a:extLst>
               <a:ext uri="{FF2B5EF4-FFF2-40B4-BE49-F238E27FC236}">
-                <a16:creationId xmlns:a16="http://schemas.microsoft.com/office/drawing/2014/main" id="{4775C0AF-00F8-5AB0-F107-B61F3EDBD3C9}"/>
+                <a16:creationId xmlns:a16="http://schemas.microsoft.com/office/drawing/2014/main" id="{F03DAF52-C45C-41B3-3DBA-1A0897F8001B}"/>
               </a:ext>
             </a:extLst>
           </p:cNvPr>
@@ -1318,7 +1318,7 @@
           <p:cNvPr id="4" name="内容占位符 3">
             <a:extLst>
               <a:ext uri="{FF2B5EF4-FFF2-40B4-BE49-F238E27FC236}">
-                <a16:creationId xmlns:a16="http://schemas.microsoft.com/office/drawing/2014/main" id="{F88C6D72-8A1D-4E0B-11B2-F69B1FB9478F}"/>
+                <a16:creationId xmlns:a16="http://schemas.microsoft.com/office/drawing/2014/main" id="{7E9D9B4E-7972-496D-E666-A6A8604CE1EE}"/>
               </a:ext>
             </a:extLst>
           </p:cNvPr>
@@ -1380,7 +1380,7 @@
           <p:cNvPr id="5" name="日期占位符 4">
             <a:extLst>
               <a:ext uri="{FF2B5EF4-FFF2-40B4-BE49-F238E27FC236}">
-                <a16:creationId xmlns:a16="http://schemas.microsoft.com/office/drawing/2014/main" id="{31180B6B-C6EC-7FA3-19F4-C17972D2F85A}"/>
+                <a16:creationId xmlns:a16="http://schemas.microsoft.com/office/drawing/2014/main" id="{95ABF2A8-A549-39F0-1F69-989F4C1F1C9A}"/>
               </a:ext>
             </a:extLst>
           </p:cNvPr>
@@ -1396,7 +1396,7 @@
           <a:bodyPr/>
           <a:lstStyle/>
           <a:p>
-            <a:fld id="{F65FA338-84F1-4BB3-8D57-E01F4C23601D}" type="datetimeFigureOut">
+            <a:fld id="{0908BA12-C671-45C8-9A7F-659CF2BF9082}" type="datetimeFigureOut">
               <a:rPr lang="zh-CN" altLang="en-US" smtClean="0"/>
               <a:t>2024/3/10</a:t>
             </a:fld>
@@ -1409,7 +1409,7 @@
           <p:cNvPr id="6" name="页脚占位符 5">
             <a:extLst>
               <a:ext uri="{FF2B5EF4-FFF2-40B4-BE49-F238E27FC236}">
-                <a16:creationId xmlns:a16="http://schemas.microsoft.com/office/drawing/2014/main" id="{29CCF40A-52A0-55B3-B8D3-901347C9D434}"/>
+                <a16:creationId xmlns:a16="http://schemas.microsoft.com/office/drawing/2014/main" id="{94DCC044-3DD0-4E13-B730-3B2AE4888838}"/>
               </a:ext>
             </a:extLst>
           </p:cNvPr>
@@ -1434,7 +1434,7 @@
           <p:cNvPr id="7" name="灯片编号占位符 6">
             <a:extLst>
               <a:ext uri="{FF2B5EF4-FFF2-40B4-BE49-F238E27FC236}">
-                <a16:creationId xmlns:a16="http://schemas.microsoft.com/office/drawing/2014/main" id="{7698745A-B072-301B-18AC-99C24FE235C9}"/>
+                <a16:creationId xmlns:a16="http://schemas.microsoft.com/office/drawing/2014/main" id="{09867972-F436-84D3-033D-03261113D524}"/>
               </a:ext>
             </a:extLst>
           </p:cNvPr>
@@ -1450,7 +1450,7 @@
           <a:bodyPr/>
           <a:lstStyle/>
           <a:p>
-            <a:fld id="{4D0D791C-590A-42BA-ACC6-2662DB381583}" type="slidenum">
+            <a:fld id="{AE304023-E11F-4687-9CB2-7F04D5D2AE1B}" type="slidenum">
               <a:rPr lang="zh-CN" altLang="en-US" smtClean="0"/>
               <a:t>‹#›</a:t>
             </a:fld>
@@ -1461,7 +1461,7 @@
     </p:spTree>
     <p:extLst>
       <p:ext uri="{BB962C8B-B14F-4D97-AF65-F5344CB8AC3E}">
-        <p14:creationId xmlns:p14="http://schemas.microsoft.com/office/powerpoint/2010/main" val="1411281001"/>
+        <p14:creationId xmlns:p14="http://schemas.microsoft.com/office/powerpoint/2010/main" val="1653191560"/>
       </p:ext>
     </p:extLst>
   </p:cSld>
@@ -1493,7 +1493,7 @@
           <p:cNvPr id="2" name="标题 1">
             <a:extLst>
               <a:ext uri="{FF2B5EF4-FFF2-40B4-BE49-F238E27FC236}">
-                <a16:creationId xmlns:a16="http://schemas.microsoft.com/office/drawing/2014/main" id="{B31595C6-7CBE-8BA4-A908-6FDD407BA585}"/>
+                <a16:creationId xmlns:a16="http://schemas.microsoft.com/office/drawing/2014/main" id="{608BE6F3-B4CC-8A2D-C1EF-E7EC41A4089D}"/>
               </a:ext>
             </a:extLst>
           </p:cNvPr>
@@ -1526,7 +1526,7 @@
           <p:cNvPr id="3" name="文本占位符 2">
             <a:extLst>
               <a:ext uri="{FF2B5EF4-FFF2-40B4-BE49-F238E27FC236}">
-                <a16:creationId xmlns:a16="http://schemas.microsoft.com/office/drawing/2014/main" id="{5C2FD770-2452-B312-A94C-BA3F6EA8FA72}"/>
+                <a16:creationId xmlns:a16="http://schemas.microsoft.com/office/drawing/2014/main" id="{15466E5E-AFA3-B6BB-B3EA-C8EDD5D24F0E}"/>
               </a:ext>
             </a:extLst>
           </p:cNvPr>
@@ -1597,7 +1597,7 @@
           <p:cNvPr id="4" name="内容占位符 3">
             <a:extLst>
               <a:ext uri="{FF2B5EF4-FFF2-40B4-BE49-F238E27FC236}">
-                <a16:creationId xmlns:a16="http://schemas.microsoft.com/office/drawing/2014/main" id="{D40B55C3-DF74-ACC0-930B-19793A233C5F}"/>
+                <a16:creationId xmlns:a16="http://schemas.microsoft.com/office/drawing/2014/main" id="{5A72A00D-47E7-D9BB-C04D-CED6F28C4060}"/>
               </a:ext>
             </a:extLst>
           </p:cNvPr>
@@ -1659,7 +1659,7 @@
           <p:cNvPr id="5" name="文本占位符 4">
             <a:extLst>
               <a:ext uri="{FF2B5EF4-FFF2-40B4-BE49-F238E27FC236}">
-                <a16:creationId xmlns:a16="http://schemas.microsoft.com/office/drawing/2014/main" id="{DDAD7D1A-8B22-6278-10D5-AD37DA3ED45B}"/>
+                <a16:creationId xmlns:a16="http://schemas.microsoft.com/office/drawing/2014/main" id="{65C735F9-D630-9A6F-F911-B74DDC8C55AA}"/>
               </a:ext>
             </a:extLst>
           </p:cNvPr>
@@ -1730,7 +1730,7 @@
           <p:cNvPr id="6" name="内容占位符 5">
             <a:extLst>
               <a:ext uri="{FF2B5EF4-FFF2-40B4-BE49-F238E27FC236}">
-                <a16:creationId xmlns:a16="http://schemas.microsoft.com/office/drawing/2014/main" id="{E31DE253-4FE8-1A70-F084-C4BAB63BD980}"/>
+                <a16:creationId xmlns:a16="http://schemas.microsoft.com/office/drawing/2014/main" id="{C2ACEF54-8CB8-DE02-C8AA-23D291AE0777}"/>
               </a:ext>
             </a:extLst>
           </p:cNvPr>
@@ -1792,7 +1792,7 @@
           <p:cNvPr id="7" name="日期占位符 6">
             <a:extLst>
               <a:ext uri="{FF2B5EF4-FFF2-40B4-BE49-F238E27FC236}">
-                <a16:creationId xmlns:a16="http://schemas.microsoft.com/office/drawing/2014/main" id="{06C841DA-5FB3-6C07-CBA2-23F56439368F}"/>
+                <a16:creationId xmlns:a16="http://schemas.microsoft.com/office/drawing/2014/main" id="{E9708D3D-6F9A-6DE3-724B-94C909D89CC9}"/>
               </a:ext>
             </a:extLst>
           </p:cNvPr>
@@ -1808,7 +1808,7 @@
           <a:bodyPr/>
           <a:lstStyle/>
           <a:p>
-            <a:fld id="{F65FA338-84F1-4BB3-8D57-E01F4C23601D}" type="datetimeFigureOut">
+            <a:fld id="{0908BA12-C671-45C8-9A7F-659CF2BF9082}" type="datetimeFigureOut">
               <a:rPr lang="zh-CN" altLang="en-US" smtClean="0"/>
               <a:t>2024/3/10</a:t>
             </a:fld>
@@ -1821,7 +1821,7 @@
           <p:cNvPr id="8" name="页脚占位符 7">
             <a:extLst>
               <a:ext uri="{FF2B5EF4-FFF2-40B4-BE49-F238E27FC236}">
-                <a16:creationId xmlns:a16="http://schemas.microsoft.com/office/drawing/2014/main" id="{BAD466FA-B7B7-6752-B9F8-EDFF899F74CC}"/>
+                <a16:creationId xmlns:a16="http://schemas.microsoft.com/office/drawing/2014/main" id="{773481A2-38F5-77FA-D8CE-91D0DE5DD1E0}"/>
               </a:ext>
             </a:extLst>
           </p:cNvPr>
@@ -1846,7 +1846,7 @@
           <p:cNvPr id="9" name="灯片编号占位符 8">
             <a:extLst>
               <a:ext uri="{FF2B5EF4-FFF2-40B4-BE49-F238E27FC236}">
-                <a16:creationId xmlns:a16="http://schemas.microsoft.com/office/drawing/2014/main" id="{2FF2C40A-0F4E-2A0E-1128-0734F6499555}"/>
+                <a16:creationId xmlns:a16="http://schemas.microsoft.com/office/drawing/2014/main" id="{FC02744F-02B6-C735-C5DE-BA854F4BD6F7}"/>
               </a:ext>
             </a:extLst>
           </p:cNvPr>
@@ -1862,7 +1862,7 @@
           <a:bodyPr/>
           <a:lstStyle/>
           <a:p>
-            <a:fld id="{4D0D791C-590A-42BA-ACC6-2662DB381583}" type="slidenum">
+            <a:fld id="{AE304023-E11F-4687-9CB2-7F04D5D2AE1B}" type="slidenum">
               <a:rPr lang="zh-CN" altLang="en-US" smtClean="0"/>
               <a:t>‹#›</a:t>
             </a:fld>
@@ -1873,7 +1873,7 @@
     </p:spTree>
     <p:extLst>
       <p:ext uri="{BB962C8B-B14F-4D97-AF65-F5344CB8AC3E}">
-        <p14:creationId xmlns:p14="http://schemas.microsoft.com/office/powerpoint/2010/main" val="3355257814"/>
+        <p14:creationId xmlns:p14="http://schemas.microsoft.com/office/powerpoint/2010/main" val="1883784882"/>
       </p:ext>
     </p:extLst>
   </p:cSld>
@@ -1905,7 +1905,7 @@
           <p:cNvPr id="2" name="标题 1">
             <a:extLst>
               <a:ext uri="{FF2B5EF4-FFF2-40B4-BE49-F238E27FC236}">
-                <a16:creationId xmlns:a16="http://schemas.microsoft.com/office/drawing/2014/main" id="{D61D7F5D-D672-35EB-DB5A-05B5BB733537}"/>
+                <a16:creationId xmlns:a16="http://schemas.microsoft.com/office/drawing/2014/main" id="{6B3C3EC3-7864-4F9B-B0DE-038F80E51F3D}"/>
               </a:ext>
             </a:extLst>
           </p:cNvPr>
@@ -1933,7 +1933,7 @@
           <p:cNvPr id="3" name="日期占位符 2">
             <a:extLst>
               <a:ext uri="{FF2B5EF4-FFF2-40B4-BE49-F238E27FC236}">
-                <a16:creationId xmlns:a16="http://schemas.microsoft.com/office/drawing/2014/main" id="{4B23BACC-E28A-7CCD-DC7A-110590B3EDC6}"/>
+                <a16:creationId xmlns:a16="http://schemas.microsoft.com/office/drawing/2014/main" id="{2BEB5C3E-37D6-C154-4486-EC7D5AEF5A76}"/>
               </a:ext>
             </a:extLst>
           </p:cNvPr>
@@ -1949,7 +1949,7 @@
           <a:bodyPr/>
           <a:lstStyle/>
           <a:p>
-            <a:fld id="{F65FA338-84F1-4BB3-8D57-E01F4C23601D}" type="datetimeFigureOut">
+            <a:fld id="{0908BA12-C671-45C8-9A7F-659CF2BF9082}" type="datetimeFigureOut">
               <a:rPr lang="zh-CN" altLang="en-US" smtClean="0"/>
               <a:t>2024/3/10</a:t>
             </a:fld>
@@ -1962,7 +1962,7 @@
           <p:cNvPr id="4" name="页脚占位符 3">
             <a:extLst>
               <a:ext uri="{FF2B5EF4-FFF2-40B4-BE49-F238E27FC236}">
-                <a16:creationId xmlns:a16="http://schemas.microsoft.com/office/drawing/2014/main" id="{B5C086AC-9112-EF08-F103-47377DBBFB9A}"/>
+                <a16:creationId xmlns:a16="http://schemas.microsoft.com/office/drawing/2014/main" id="{C799BC3F-A69E-335E-F942-21901F74139C}"/>
               </a:ext>
             </a:extLst>
           </p:cNvPr>
@@ -1987,7 +1987,7 @@
           <p:cNvPr id="5" name="灯片编号占位符 4">
             <a:extLst>
               <a:ext uri="{FF2B5EF4-FFF2-40B4-BE49-F238E27FC236}">
-                <a16:creationId xmlns:a16="http://schemas.microsoft.com/office/drawing/2014/main" id="{AA095597-399B-25A8-C433-901D861A5A01}"/>
+                <a16:creationId xmlns:a16="http://schemas.microsoft.com/office/drawing/2014/main" id="{D700E338-10B6-05EC-0C6D-A28F7FD9CF5A}"/>
               </a:ext>
             </a:extLst>
           </p:cNvPr>
@@ -2003,7 +2003,7 @@
           <a:bodyPr/>
           <a:lstStyle/>
           <a:p>
-            <a:fld id="{4D0D791C-590A-42BA-ACC6-2662DB381583}" type="slidenum">
+            <a:fld id="{AE304023-E11F-4687-9CB2-7F04D5D2AE1B}" type="slidenum">
               <a:rPr lang="zh-CN" altLang="en-US" smtClean="0"/>
               <a:t>‹#›</a:t>
             </a:fld>
@@ -2014,7 +2014,7 @@
     </p:spTree>
     <p:extLst>
       <p:ext uri="{BB962C8B-B14F-4D97-AF65-F5344CB8AC3E}">
-        <p14:creationId xmlns:p14="http://schemas.microsoft.com/office/powerpoint/2010/main" val="481482147"/>
+        <p14:creationId xmlns:p14="http://schemas.microsoft.com/office/powerpoint/2010/main" val="1329016017"/>
       </p:ext>
     </p:extLst>
   </p:cSld>
@@ -2046,7 +2046,7 @@
           <p:cNvPr id="2" name="日期占位符 1">
             <a:extLst>
               <a:ext uri="{FF2B5EF4-FFF2-40B4-BE49-F238E27FC236}">
-                <a16:creationId xmlns:a16="http://schemas.microsoft.com/office/drawing/2014/main" id="{7D230C5C-6F2A-702E-FEA5-7D653CAF3168}"/>
+                <a16:creationId xmlns:a16="http://schemas.microsoft.com/office/drawing/2014/main" id="{5612070E-53EC-52FC-6691-A4FD7682FC44}"/>
               </a:ext>
             </a:extLst>
           </p:cNvPr>
@@ -2062,7 +2062,7 @@
           <a:bodyPr/>
           <a:lstStyle/>
           <a:p>
-            <a:fld id="{F65FA338-84F1-4BB3-8D57-E01F4C23601D}" type="datetimeFigureOut">
+            <a:fld id="{0908BA12-C671-45C8-9A7F-659CF2BF9082}" type="datetimeFigureOut">
               <a:rPr lang="zh-CN" altLang="en-US" smtClean="0"/>
               <a:t>2024/3/10</a:t>
             </a:fld>
@@ -2075,7 +2075,7 @@
           <p:cNvPr id="3" name="页脚占位符 2">
             <a:extLst>
               <a:ext uri="{FF2B5EF4-FFF2-40B4-BE49-F238E27FC236}">
-                <a16:creationId xmlns:a16="http://schemas.microsoft.com/office/drawing/2014/main" id="{348BFA20-2DEE-F73E-5EA7-FFB018DEF8D2}"/>
+                <a16:creationId xmlns:a16="http://schemas.microsoft.com/office/drawing/2014/main" id="{9BD2CAA7-73EA-4ED0-E10E-EE7C7AFB44D7}"/>
               </a:ext>
             </a:extLst>
           </p:cNvPr>
@@ -2100,7 +2100,7 @@
           <p:cNvPr id="4" name="灯片编号占位符 3">
             <a:extLst>
               <a:ext uri="{FF2B5EF4-FFF2-40B4-BE49-F238E27FC236}">
-                <a16:creationId xmlns:a16="http://schemas.microsoft.com/office/drawing/2014/main" id="{5469A865-B35A-F6AB-05C6-FA926FAB9B4B}"/>
+                <a16:creationId xmlns:a16="http://schemas.microsoft.com/office/drawing/2014/main" id="{CB332786-0DB4-4EC8-3B23-4D6BB68F547C}"/>
               </a:ext>
             </a:extLst>
           </p:cNvPr>
@@ -2116,7 +2116,7 @@
           <a:bodyPr/>
           <a:lstStyle/>
           <a:p>
-            <a:fld id="{4D0D791C-590A-42BA-ACC6-2662DB381583}" type="slidenum">
+            <a:fld id="{AE304023-E11F-4687-9CB2-7F04D5D2AE1B}" type="slidenum">
               <a:rPr lang="zh-CN" altLang="en-US" smtClean="0"/>
               <a:t>‹#›</a:t>
             </a:fld>
@@ -2127,7 +2127,7 @@
     </p:spTree>
     <p:extLst>
       <p:ext uri="{BB962C8B-B14F-4D97-AF65-F5344CB8AC3E}">
-        <p14:creationId xmlns:p14="http://schemas.microsoft.com/office/powerpoint/2010/main" val="3999228512"/>
+        <p14:creationId xmlns:p14="http://schemas.microsoft.com/office/powerpoint/2010/main" val="4071730791"/>
       </p:ext>
     </p:extLst>
   </p:cSld>
@@ -2159,7 +2159,7 @@
           <p:cNvPr id="2" name="标题 1">
             <a:extLst>
               <a:ext uri="{FF2B5EF4-FFF2-40B4-BE49-F238E27FC236}">
-                <a16:creationId xmlns:a16="http://schemas.microsoft.com/office/drawing/2014/main" id="{4F469C76-95B2-ED5D-379F-7F6979FCB8BA}"/>
+                <a16:creationId xmlns:a16="http://schemas.microsoft.com/office/drawing/2014/main" id="{684F028B-309B-67D0-D4D7-DA8EDACFD7EA}"/>
               </a:ext>
             </a:extLst>
           </p:cNvPr>
@@ -2196,7 +2196,7 @@
           <p:cNvPr id="3" name="内容占位符 2">
             <a:extLst>
               <a:ext uri="{FF2B5EF4-FFF2-40B4-BE49-F238E27FC236}">
-                <a16:creationId xmlns:a16="http://schemas.microsoft.com/office/drawing/2014/main" id="{097D3022-19B7-F30E-D2AF-BFB4381E0022}"/>
+                <a16:creationId xmlns:a16="http://schemas.microsoft.com/office/drawing/2014/main" id="{B9FEB5DD-D6E8-8860-4E7C-41C5ECC106EA}"/>
               </a:ext>
             </a:extLst>
           </p:cNvPr>
@@ -2286,7 +2286,7 @@
           <p:cNvPr id="4" name="文本占位符 3">
             <a:extLst>
               <a:ext uri="{FF2B5EF4-FFF2-40B4-BE49-F238E27FC236}">
-                <a16:creationId xmlns:a16="http://schemas.microsoft.com/office/drawing/2014/main" id="{6784BC78-A211-2B61-FD51-F6426A1A11F4}"/>
+                <a16:creationId xmlns:a16="http://schemas.microsoft.com/office/drawing/2014/main" id="{B8FA95F9-22E9-EFED-26E4-44DE41F6E875}"/>
               </a:ext>
             </a:extLst>
           </p:cNvPr>
@@ -2357,7 +2357,7 @@
           <p:cNvPr id="5" name="日期占位符 4">
             <a:extLst>
               <a:ext uri="{FF2B5EF4-FFF2-40B4-BE49-F238E27FC236}">
-                <a16:creationId xmlns:a16="http://schemas.microsoft.com/office/drawing/2014/main" id="{F3026B6A-F7E6-B1F7-69DD-19DA66496F79}"/>
+                <a16:creationId xmlns:a16="http://schemas.microsoft.com/office/drawing/2014/main" id="{0FA597FD-8D32-3895-6DE8-33BFEC7B9BA4}"/>
               </a:ext>
             </a:extLst>
           </p:cNvPr>
@@ -2373,7 +2373,7 @@
           <a:bodyPr/>
           <a:lstStyle/>
           <a:p>
-            <a:fld id="{F65FA338-84F1-4BB3-8D57-E01F4C23601D}" type="datetimeFigureOut">
+            <a:fld id="{0908BA12-C671-45C8-9A7F-659CF2BF9082}" type="datetimeFigureOut">
               <a:rPr lang="zh-CN" altLang="en-US" smtClean="0"/>
               <a:t>2024/3/10</a:t>
             </a:fld>
@@ -2386,7 +2386,7 @@
           <p:cNvPr id="6" name="页脚占位符 5">
             <a:extLst>
               <a:ext uri="{FF2B5EF4-FFF2-40B4-BE49-F238E27FC236}">
-                <a16:creationId xmlns:a16="http://schemas.microsoft.com/office/drawing/2014/main" id="{878610D5-8C73-9F26-12E0-D18BED65EE37}"/>
+                <a16:creationId xmlns:a16="http://schemas.microsoft.com/office/drawing/2014/main" id="{50B45066-A68F-CED5-82FC-D6E1874F53BB}"/>
               </a:ext>
             </a:extLst>
           </p:cNvPr>
@@ -2411,7 +2411,7 @@
           <p:cNvPr id="7" name="灯片编号占位符 6">
             <a:extLst>
               <a:ext uri="{FF2B5EF4-FFF2-40B4-BE49-F238E27FC236}">
-                <a16:creationId xmlns:a16="http://schemas.microsoft.com/office/drawing/2014/main" id="{2884BD3D-10F8-45F3-9CC7-A92E8033E626}"/>
+                <a16:creationId xmlns:a16="http://schemas.microsoft.com/office/drawing/2014/main" id="{AB179235-797E-6631-3906-15B1C6DF3420}"/>
               </a:ext>
             </a:extLst>
           </p:cNvPr>
@@ -2427,7 +2427,7 @@
           <a:bodyPr/>
           <a:lstStyle/>
           <a:p>
-            <a:fld id="{4D0D791C-590A-42BA-ACC6-2662DB381583}" type="slidenum">
+            <a:fld id="{AE304023-E11F-4687-9CB2-7F04D5D2AE1B}" type="slidenum">
               <a:rPr lang="zh-CN" altLang="en-US" smtClean="0"/>
               <a:t>‹#›</a:t>
             </a:fld>
@@ -2438,7 +2438,7 @@
     </p:spTree>
     <p:extLst>
       <p:ext uri="{BB962C8B-B14F-4D97-AF65-F5344CB8AC3E}">
-        <p14:creationId xmlns:p14="http://schemas.microsoft.com/office/powerpoint/2010/main" val="2336663893"/>
+        <p14:creationId xmlns:p14="http://schemas.microsoft.com/office/powerpoint/2010/main" val="3821445922"/>
       </p:ext>
     </p:extLst>
   </p:cSld>
@@ -2470,7 +2470,7 @@
           <p:cNvPr id="2" name="标题 1">
             <a:extLst>
               <a:ext uri="{FF2B5EF4-FFF2-40B4-BE49-F238E27FC236}">
-                <a16:creationId xmlns:a16="http://schemas.microsoft.com/office/drawing/2014/main" id="{C0764120-AF26-A477-B96C-D7939B070BC8}"/>
+                <a16:creationId xmlns:a16="http://schemas.microsoft.com/office/drawing/2014/main" id="{691C07B9-78AB-79DB-61BB-D6284EFAA3C4}"/>
               </a:ext>
             </a:extLst>
           </p:cNvPr>
@@ -2507,7 +2507,7 @@
           <p:cNvPr id="3" name="图片占位符 2">
             <a:extLst>
               <a:ext uri="{FF2B5EF4-FFF2-40B4-BE49-F238E27FC236}">
-                <a16:creationId xmlns:a16="http://schemas.microsoft.com/office/drawing/2014/main" id="{76922889-E988-78E6-62BB-2ED62DEF55C7}"/>
+                <a16:creationId xmlns:a16="http://schemas.microsoft.com/office/drawing/2014/main" id="{2EA0E396-5A1F-0E32-6545-22B1C2F6E7D6}"/>
               </a:ext>
             </a:extLst>
           </p:cNvPr>
@@ -2574,7 +2574,7 @@
           <p:cNvPr id="4" name="文本占位符 3">
             <a:extLst>
               <a:ext uri="{FF2B5EF4-FFF2-40B4-BE49-F238E27FC236}">
-                <a16:creationId xmlns:a16="http://schemas.microsoft.com/office/drawing/2014/main" id="{B10E79FC-4C41-1056-AF9A-613E6AB82D20}"/>
+                <a16:creationId xmlns:a16="http://schemas.microsoft.com/office/drawing/2014/main" id="{96D2F45D-F52A-0427-0C01-BD3DC3CA76C5}"/>
               </a:ext>
             </a:extLst>
           </p:cNvPr>
@@ -2645,7 +2645,7 @@
           <p:cNvPr id="5" name="日期占位符 4">
             <a:extLst>
               <a:ext uri="{FF2B5EF4-FFF2-40B4-BE49-F238E27FC236}">
-                <a16:creationId xmlns:a16="http://schemas.microsoft.com/office/drawing/2014/main" id="{859C3CF5-E276-5DA9-3AA1-6A2DBADAC0AE}"/>
+                <a16:creationId xmlns:a16="http://schemas.microsoft.com/office/drawing/2014/main" id="{F6C080CD-C349-CF08-CAE5-41BF3795D089}"/>
               </a:ext>
             </a:extLst>
           </p:cNvPr>
@@ -2661,7 +2661,7 @@
           <a:bodyPr/>
           <a:lstStyle/>
           <a:p>
-            <a:fld id="{F65FA338-84F1-4BB3-8D57-E01F4C23601D}" type="datetimeFigureOut">
+            <a:fld id="{0908BA12-C671-45C8-9A7F-659CF2BF9082}" type="datetimeFigureOut">
               <a:rPr lang="zh-CN" altLang="en-US" smtClean="0"/>
               <a:t>2024/3/10</a:t>
             </a:fld>
@@ -2674,7 +2674,7 @@
           <p:cNvPr id="6" name="页脚占位符 5">
             <a:extLst>
               <a:ext uri="{FF2B5EF4-FFF2-40B4-BE49-F238E27FC236}">
-                <a16:creationId xmlns:a16="http://schemas.microsoft.com/office/drawing/2014/main" id="{8FA63FBA-EC30-B2CD-D4B5-DCAFAA696063}"/>
+                <a16:creationId xmlns:a16="http://schemas.microsoft.com/office/drawing/2014/main" id="{D8BCA883-286F-6AB0-9CE4-67CCBE337ED5}"/>
               </a:ext>
             </a:extLst>
           </p:cNvPr>
@@ -2699,7 +2699,7 @@
           <p:cNvPr id="7" name="灯片编号占位符 6">
             <a:extLst>
               <a:ext uri="{FF2B5EF4-FFF2-40B4-BE49-F238E27FC236}">
-                <a16:creationId xmlns:a16="http://schemas.microsoft.com/office/drawing/2014/main" id="{CC8E3ADF-99D4-0A1B-3AA5-9C0A9538A156}"/>
+                <a16:creationId xmlns:a16="http://schemas.microsoft.com/office/drawing/2014/main" id="{AA76D1A7-5C72-780B-1DB0-B2E5202F28F9}"/>
               </a:ext>
             </a:extLst>
           </p:cNvPr>
@@ -2715,7 +2715,7 @@
           <a:bodyPr/>
           <a:lstStyle/>
           <a:p>
-            <a:fld id="{4D0D791C-590A-42BA-ACC6-2662DB381583}" type="slidenum">
+            <a:fld id="{AE304023-E11F-4687-9CB2-7F04D5D2AE1B}" type="slidenum">
               <a:rPr lang="zh-CN" altLang="en-US" smtClean="0"/>
               <a:t>‹#›</a:t>
             </a:fld>
@@ -2726,7 +2726,7 @@
     </p:spTree>
     <p:extLst>
       <p:ext uri="{BB962C8B-B14F-4D97-AF65-F5344CB8AC3E}">
-        <p14:creationId xmlns:p14="http://schemas.microsoft.com/office/powerpoint/2010/main" val="528009861"/>
+        <p14:creationId xmlns:p14="http://schemas.microsoft.com/office/powerpoint/2010/main" val="2769920481"/>
       </p:ext>
     </p:extLst>
   </p:cSld>
@@ -2763,7 +2763,7 @@
           <p:cNvPr id="2" name="标题占位符 1">
             <a:extLst>
               <a:ext uri="{FF2B5EF4-FFF2-40B4-BE49-F238E27FC236}">
-                <a16:creationId xmlns:a16="http://schemas.microsoft.com/office/drawing/2014/main" id="{ED87F551-420D-1A3E-414B-E9E9706F1F6A}"/>
+                <a16:creationId xmlns:a16="http://schemas.microsoft.com/office/drawing/2014/main" id="{C33678CA-FE2C-D1D6-D76A-3997330FE472}"/>
               </a:ext>
             </a:extLst>
           </p:cNvPr>
@@ -2801,7 +2801,7 @@
           <p:cNvPr id="3" name="文本占位符 2">
             <a:extLst>
               <a:ext uri="{FF2B5EF4-FFF2-40B4-BE49-F238E27FC236}">
-                <a16:creationId xmlns:a16="http://schemas.microsoft.com/office/drawing/2014/main" id="{4830DD59-C2B8-4958-9773-5D2BA95C54B6}"/>
+                <a16:creationId xmlns:a16="http://schemas.microsoft.com/office/drawing/2014/main" id="{40BE28AD-C6B5-A681-9FCA-D5502C63BA7A}"/>
               </a:ext>
             </a:extLst>
           </p:cNvPr>
@@ -2868,7 +2868,7 @@
           <p:cNvPr id="4" name="日期占位符 3">
             <a:extLst>
               <a:ext uri="{FF2B5EF4-FFF2-40B4-BE49-F238E27FC236}">
-                <a16:creationId xmlns:a16="http://schemas.microsoft.com/office/drawing/2014/main" id="{9089A001-0987-9E32-5051-4E0C30FBD96A}"/>
+                <a16:creationId xmlns:a16="http://schemas.microsoft.com/office/drawing/2014/main" id="{157941D3-062A-47AB-7490-0E98C1A4A6BC}"/>
               </a:ext>
             </a:extLst>
           </p:cNvPr>
@@ -2902,7 +2902,7 @@
             </a:lvl1pPr>
           </a:lstStyle>
           <a:p>
-            <a:fld id="{F65FA338-84F1-4BB3-8D57-E01F4C23601D}" type="datetimeFigureOut">
+            <a:fld id="{0908BA12-C671-45C8-9A7F-659CF2BF9082}" type="datetimeFigureOut">
               <a:rPr lang="zh-CN" altLang="en-US" smtClean="0"/>
               <a:t>2024/3/10</a:t>
             </a:fld>
@@ -2915,7 +2915,7 @@
           <p:cNvPr id="5" name="页脚占位符 4">
             <a:extLst>
               <a:ext uri="{FF2B5EF4-FFF2-40B4-BE49-F238E27FC236}">
-                <a16:creationId xmlns:a16="http://schemas.microsoft.com/office/drawing/2014/main" id="{499A476F-12C9-496A-4F32-30E6E7515351}"/>
+                <a16:creationId xmlns:a16="http://schemas.microsoft.com/office/drawing/2014/main" id="{5569306C-7F1E-884A-A0EF-B01D2E85D088}"/>
               </a:ext>
             </a:extLst>
           </p:cNvPr>
@@ -2958,7 +2958,7 @@
           <p:cNvPr id="6" name="灯片编号占位符 5">
             <a:extLst>
               <a:ext uri="{FF2B5EF4-FFF2-40B4-BE49-F238E27FC236}">
-                <a16:creationId xmlns:a16="http://schemas.microsoft.com/office/drawing/2014/main" id="{F26CE597-B634-57FC-B7FA-10AB87B371BE}"/>
+                <a16:creationId xmlns:a16="http://schemas.microsoft.com/office/drawing/2014/main" id="{0876ACF3-A652-AB97-A0C8-E6A41FBED1BD}"/>
               </a:ext>
             </a:extLst>
           </p:cNvPr>
@@ -2992,7 +2992,7 @@
             </a:lvl1pPr>
           </a:lstStyle>
           <a:p>
-            <a:fld id="{4D0D791C-590A-42BA-ACC6-2662DB381583}" type="slidenum">
+            <a:fld id="{AE304023-E11F-4687-9CB2-7F04D5D2AE1B}" type="slidenum">
               <a:rPr lang="zh-CN" altLang="en-US" smtClean="0"/>
               <a:t>‹#›</a:t>
             </a:fld>
@@ -3003,7 +3003,7 @@
     </p:spTree>
     <p:extLst>
       <p:ext uri="{BB962C8B-B14F-4D97-AF65-F5344CB8AC3E}">
-        <p14:creationId xmlns:p14="http://schemas.microsoft.com/office/powerpoint/2010/main" val="4229594666"/>
+        <p14:creationId xmlns:p14="http://schemas.microsoft.com/office/powerpoint/2010/main" val="515069966"/>
       </p:ext>
     </p:extLst>
   </p:cSld>
@@ -3323,7 +3323,7 @@
       </p:grpSpPr>
       <p:pic>
         <p:nvPicPr>
-          <p:cNvPr id="1428482" name="Picture 2" descr="1394"/>
+          <p:cNvPr id="1429506" name="Picture 2" descr="1395"/>
           <p:cNvPicPr>
             <a:picLocks noChangeAspect="1" noChangeArrowheads="1"/>
           </p:cNvPicPr>
@@ -3345,7 +3345,7 @@
         <p:spPr bwMode="auto">
           <a:xfrm>
             <a:off x="1524000" y="0"/>
-            <a:ext cx="9144000" cy="6858000"/>
+            <a:ext cx="9144000" cy="4076700"/>
           </a:xfrm>
           <a:prstGeom prst="rect">
             <a:avLst/>
